--- a/Dokumentit/Lost_testament_pp.pptx
+++ b/Dokumentit/Lost_testament_pp.pptx
@@ -6,20 +6,22 @@
   </p:sldMasterIdLst>
   <p:sldIdLst>
     <p:sldId id="256" r:id="rId2"/>
-    <p:sldId id="257" r:id="rId3"/>
-    <p:sldId id="258" r:id="rId4"/>
-    <p:sldId id="259" r:id="rId5"/>
-    <p:sldId id="260" r:id="rId6"/>
-    <p:sldId id="261" r:id="rId7"/>
-    <p:sldId id="262" r:id="rId8"/>
-    <p:sldId id="263" r:id="rId9"/>
-    <p:sldId id="264" r:id="rId10"/>
-    <p:sldId id="265" r:id="rId11"/>
-    <p:sldId id="266" r:id="rId12"/>
-    <p:sldId id="267" r:id="rId13"/>
-    <p:sldId id="268" r:id="rId14"/>
-    <p:sldId id="269" r:id="rId15"/>
-    <p:sldId id="270" r:id="rId16"/>
+    <p:sldId id="271" r:id="rId3"/>
+    <p:sldId id="257" r:id="rId4"/>
+    <p:sldId id="258" r:id="rId5"/>
+    <p:sldId id="259" r:id="rId6"/>
+    <p:sldId id="260" r:id="rId7"/>
+    <p:sldId id="261" r:id="rId8"/>
+    <p:sldId id="262" r:id="rId9"/>
+    <p:sldId id="263" r:id="rId10"/>
+    <p:sldId id="264" r:id="rId11"/>
+    <p:sldId id="265" r:id="rId12"/>
+    <p:sldId id="266" r:id="rId13"/>
+    <p:sldId id="267" r:id="rId14"/>
+    <p:sldId id="272" r:id="rId15"/>
+    <p:sldId id="268" r:id="rId16"/>
+    <p:sldId id="269" r:id="rId17"/>
+    <p:sldId id="270" r:id="rId18"/>
   </p:sldIdLst>
   <p:sldSz cx="12192000" cy="6858000"/>
   <p:notesSz cx="6858000" cy="9144000"/>
@@ -118,6 +120,11 @@
       </a:defRPr>
     </a:lvl9pPr>
   </p:defaultTextStyle>
+  <p:extLst>
+    <p:ext uri="{EFAFB233-063F-42B5-8137-9DF3F51BA10A}">
+      <p15:sldGuideLst xmlns:p15="http://schemas.microsoft.com/office/powerpoint/2012/main"/>
+    </p:ext>
+  </p:extLst>
 </p:presentation>
 </file>
 
@@ -255,7 +262,7 @@
             <a:fld id="{3CADBD16-5BFB-4D9F-9646-C75D1B53BBB6}" type="datetimeFigureOut">
               <a:rPr lang="en-US" smtClean="0"/>
               <a:pPr/>
-              <a:t>12/12/2023</a:t>
+              <a:t>12/13/2023</a:t>
             </a:fld>
             <a:endParaRPr lang="en-US" dirty="0"/>
           </a:p>
@@ -544,7 +551,7 @@
             <a:fld id="{3CADBD16-5BFB-4D9F-9646-C75D1B53BBB6}" type="datetimeFigureOut">
               <a:rPr lang="en-US" smtClean="0"/>
               <a:pPr/>
-              <a:t>12/12/2023</a:t>
+              <a:t>12/13/2023</a:t>
             </a:fld>
             <a:endParaRPr lang="en-US" dirty="0"/>
           </a:p>
@@ -738,7 +745,7 @@
             <a:fld id="{3CADBD16-5BFB-4D9F-9646-C75D1B53BBB6}" type="datetimeFigureOut">
               <a:rPr lang="en-US" smtClean="0"/>
               <a:pPr/>
-              <a:t>12/12/2023</a:t>
+              <a:t>12/13/2023</a:t>
             </a:fld>
             <a:endParaRPr lang="en-US" dirty="0"/>
           </a:p>
@@ -1001,7 +1008,7 @@
             <a:fld id="{3CADBD16-5BFB-4D9F-9646-C75D1B53BBB6}" type="datetimeFigureOut">
               <a:rPr lang="en-US" smtClean="0"/>
               <a:pPr/>
-              <a:t>12/12/2023</a:t>
+              <a:t>12/13/2023</a:t>
             </a:fld>
             <a:endParaRPr lang="en-US" dirty="0"/>
           </a:p>
@@ -1427,7 +1434,7 @@
             <a:fld id="{3CADBD16-5BFB-4D9F-9646-C75D1B53BBB6}" type="datetimeFigureOut">
               <a:rPr lang="en-US" smtClean="0"/>
               <a:pPr/>
-              <a:t>12/12/2023</a:t>
+              <a:t>12/13/2023</a:t>
             </a:fld>
             <a:endParaRPr lang="en-US" dirty="0"/>
           </a:p>
@@ -1975,7 +1982,7 @@
             <a:fld id="{3CADBD16-5BFB-4D9F-9646-C75D1B53BBB6}" type="datetimeFigureOut">
               <a:rPr lang="en-US" smtClean="0"/>
               <a:pPr/>
-              <a:t>12/12/2023</a:t>
+              <a:t>12/13/2023</a:t>
             </a:fld>
             <a:endParaRPr lang="en-US" dirty="0"/>
           </a:p>
@@ -2817,7 +2824,7 @@
             <a:fld id="{3CADBD16-5BFB-4D9F-9646-C75D1B53BBB6}" type="datetimeFigureOut">
               <a:rPr lang="en-US" smtClean="0"/>
               <a:pPr/>
-              <a:t>12/12/2023</a:t>
+              <a:t>12/13/2023</a:t>
             </a:fld>
             <a:endParaRPr lang="en-US" dirty="0"/>
           </a:p>
@@ -2989,7 +2996,7 @@
             <a:fld id="{3CADBD16-5BFB-4D9F-9646-C75D1B53BBB6}" type="datetimeFigureOut">
               <a:rPr lang="en-US" smtClean="0"/>
               <a:pPr/>
-              <a:t>12/12/2023</a:t>
+              <a:t>12/13/2023</a:t>
             </a:fld>
             <a:endParaRPr lang="en-US" dirty="0"/>
           </a:p>
@@ -3175,7 +3182,7 @@
             <a:fld id="{3CADBD16-5BFB-4D9F-9646-C75D1B53BBB6}" type="datetimeFigureOut">
               <a:rPr lang="en-US" smtClean="0"/>
               <a:pPr/>
-              <a:t>12/12/2023</a:t>
+              <a:t>12/13/2023</a:t>
             </a:fld>
             <a:endParaRPr lang="en-US" dirty="0"/>
           </a:p>
@@ -3347,7 +3354,7 @@
             <a:fld id="{3CADBD16-5BFB-4D9F-9646-C75D1B53BBB6}" type="datetimeFigureOut">
               <a:rPr lang="en-US" smtClean="0"/>
               <a:pPr/>
-              <a:t>12/12/2023</a:t>
+              <a:t>12/13/2023</a:t>
             </a:fld>
             <a:endParaRPr lang="en-US" dirty="0"/>
           </a:p>
@@ -3597,7 +3604,7 @@
             <a:fld id="{3CADBD16-5BFB-4D9F-9646-C75D1B53BBB6}" type="datetimeFigureOut">
               <a:rPr lang="en-US" smtClean="0"/>
               <a:pPr/>
-              <a:t>12/12/2023</a:t>
+              <a:t>12/13/2023</a:t>
             </a:fld>
             <a:endParaRPr lang="en-US" dirty="0"/>
           </a:p>
@@ -3836,7 +3843,7 @@
             <a:fld id="{3CADBD16-5BFB-4D9F-9646-C75D1B53BBB6}" type="datetimeFigureOut">
               <a:rPr lang="en-US" smtClean="0"/>
               <a:pPr/>
-              <a:t>12/12/2023</a:t>
+              <a:t>12/13/2023</a:t>
             </a:fld>
             <a:endParaRPr lang="en-US" dirty="0"/>
           </a:p>
@@ -4211,7 +4218,7 @@
             <a:fld id="{3CADBD16-5BFB-4D9F-9646-C75D1B53BBB6}" type="datetimeFigureOut">
               <a:rPr lang="en-US" smtClean="0"/>
               <a:pPr/>
-              <a:t>12/12/2023</a:t>
+              <a:t>12/13/2023</a:t>
             </a:fld>
             <a:endParaRPr lang="en-US" dirty="0"/>
           </a:p>
@@ -4331,7 +4338,7 @@
             <a:fld id="{3CADBD16-5BFB-4D9F-9646-C75D1B53BBB6}" type="datetimeFigureOut">
               <a:rPr lang="en-US" smtClean="0"/>
               <a:pPr/>
-              <a:t>12/12/2023</a:t>
+              <a:t>12/13/2023</a:t>
             </a:fld>
             <a:endParaRPr lang="en-US" dirty="0"/>
           </a:p>
@@ -4428,7 +4435,7 @@
             <a:fld id="{3CADBD16-5BFB-4D9F-9646-C75D1B53BBB6}" type="datetimeFigureOut">
               <a:rPr lang="en-US" smtClean="0"/>
               <a:pPr/>
-              <a:t>12/12/2023</a:t>
+              <a:t>12/13/2023</a:t>
             </a:fld>
             <a:endParaRPr lang="en-US" dirty="0"/>
           </a:p>
@@ -4681,7 +4688,7 @@
             <a:fld id="{3CADBD16-5BFB-4D9F-9646-C75D1B53BBB6}" type="datetimeFigureOut">
               <a:rPr lang="en-US" smtClean="0"/>
               <a:pPr/>
-              <a:t>12/12/2023</a:t>
+              <a:t>12/13/2023</a:t>
             </a:fld>
             <a:endParaRPr lang="en-US" dirty="0"/>
           </a:p>
@@ -4970,7 +4977,7 @@
             <a:fld id="{3CADBD16-5BFB-4D9F-9646-C75D1B53BBB6}" type="datetimeFigureOut">
               <a:rPr lang="en-US" smtClean="0"/>
               <a:pPr/>
-              <a:t>12/12/2023</a:t>
+              <a:t>12/13/2023</a:t>
             </a:fld>
             <a:endParaRPr lang="en-US" dirty="0"/>
           </a:p>
@@ -5185,7 +5192,7 @@
             <a:fld id="{3CADBD16-5BFB-4D9F-9646-C75D1B53BBB6}" type="datetimeFigureOut">
               <a:rPr lang="en-US" smtClean="0"/>
               <a:pPr/>
-              <a:t>12/12/2023</a:t>
+              <a:t>12/13/2023</a:t>
             </a:fld>
             <a:endParaRPr lang="en-US" dirty="0"/>
           </a:p>
@@ -5959,7 +5966,7 @@
           <p:cNvPr id="2" name="Otsikko 1">
             <a:extLst>
               <a:ext uri="{FF2B5EF4-FFF2-40B4-BE49-F238E27FC236}">
-                <a16:creationId xmlns:a16="http://schemas.microsoft.com/office/drawing/2014/main" id="{5CFD6481-D640-1DC5-847D-9F3FF5A229BC}"/>
+                <a16:creationId xmlns:a16="http://schemas.microsoft.com/office/drawing/2014/main" id="{BD88DF7E-E977-45F2-EB9A-075D8C2DBF10}"/>
               </a:ext>
             </a:extLst>
           </p:cNvPr>
@@ -5972,8 +5979,8 @@
         </p:nvSpPr>
         <p:spPr>
           <a:xfrm>
-            <a:off x="2965276" y="0"/>
-            <a:ext cx="6261447" cy="1326321"/>
+            <a:off x="1611043" y="272925"/>
+            <a:ext cx="8755265" cy="1173018"/>
           </a:xfrm>
         </p:spPr>
         <p:txBody>
@@ -5984,17 +5991,17 @@
           <a:p>
             <a:r>
               <a:rPr lang="fi-FI" sz="2800" dirty="0"/>
-              <a:t>funktioita</a:t>
+              <a:t>Luokka metodit</a:t>
             </a:r>
           </a:p>
         </p:txBody>
       </p:sp>
       <p:pic>
         <p:nvPicPr>
-          <p:cNvPr id="8" name="Sisällön paikkamerkki 7">
+          <p:cNvPr id="6" name="Sisällön paikkamerkki 5" descr="Kuva, joka sisältää kohteen teksti, kuvakaappaus, Fontti&#10;&#10;Kuvaus luotu automaattisesti">
             <a:extLst>
               <a:ext uri="{FF2B5EF4-FFF2-40B4-BE49-F238E27FC236}">
-                <a16:creationId xmlns:a16="http://schemas.microsoft.com/office/drawing/2014/main" id="{DB996185-E316-6ED4-920F-B5362855D993}"/>
+                <a16:creationId xmlns:a16="http://schemas.microsoft.com/office/drawing/2014/main" id="{51DB27AF-C1DA-3C54-A605-737759436511}"/>
               </a:ext>
             </a:extLst>
           </p:cNvPr>
@@ -6006,24 +6013,30 @@
           </p:nvPr>
         </p:nvPicPr>
         <p:blipFill>
-          <a:blip r:embed="rId2"/>
+          <a:blip r:embed="rId2">
+            <a:extLst>
+              <a:ext uri="{28A0092B-C50C-407E-A947-70E740481C1C}">
+                <a14:useLocalDpi xmlns:a14="http://schemas.microsoft.com/office/drawing/2010/main" val="0"/>
+              </a:ext>
+            </a:extLst>
+          </a:blip>
           <a:stretch>
             <a:fillRect/>
           </a:stretch>
         </p:blipFill>
         <p:spPr>
           <a:xfrm>
-            <a:off x="328613" y="3429000"/>
-            <a:ext cx="5689600" cy="2273921"/>
+            <a:off x="417747" y="2102679"/>
+            <a:ext cx="8118006" cy="1326321"/>
           </a:xfrm>
         </p:spPr>
       </p:pic>
       <p:pic>
         <p:nvPicPr>
-          <p:cNvPr id="6" name="Sisällön paikkamerkki 5">
+          <p:cNvPr id="8" name="Sisällön paikkamerkki 7" descr="Kuva, joka sisältää kohteen teksti, kuvakaappaus, Fontti&#10;&#10;Kuvaus luotu automaattisesti">
             <a:extLst>
               <a:ext uri="{FF2B5EF4-FFF2-40B4-BE49-F238E27FC236}">
-                <a16:creationId xmlns:a16="http://schemas.microsoft.com/office/drawing/2014/main" id="{36449580-89DE-B33A-11FD-694C39CD3CC0}"/>
+                <a16:creationId xmlns:a16="http://schemas.microsoft.com/office/drawing/2014/main" id="{B003F45E-4A6D-4AA4-1271-85B32C72335E}"/>
               </a:ext>
             </a:extLst>
           </p:cNvPr>
@@ -6035,22 +6048,28 @@
           </p:nvPr>
         </p:nvPicPr>
         <p:blipFill>
-          <a:blip r:embed="rId3"/>
+          <a:blip r:embed="rId3">
+            <a:extLst>
+              <a:ext uri="{28A0092B-C50C-407E-A947-70E740481C1C}">
+                <a14:useLocalDpi xmlns:a14="http://schemas.microsoft.com/office/drawing/2010/main" val="0"/>
+              </a:ext>
+            </a:extLst>
+          </a:blip>
           <a:stretch>
             <a:fillRect/>
           </a:stretch>
         </p:blipFill>
         <p:spPr>
           <a:xfrm>
-            <a:off x="6036588" y="1291233"/>
-            <a:ext cx="5826799" cy="2172855"/>
+            <a:off x="3830122" y="4104686"/>
+            <a:ext cx="7723270" cy="1326320"/>
           </a:xfrm>
         </p:spPr>
       </p:pic>
     </p:spTree>
     <p:extLst>
       <p:ext uri="{BB962C8B-B14F-4D97-AF65-F5344CB8AC3E}">
-        <p14:creationId xmlns:p14="http://schemas.microsoft.com/office/powerpoint/2010/main" val="1497341385"/>
+        <p14:creationId xmlns:p14="http://schemas.microsoft.com/office/powerpoint/2010/main" val="1061787314"/>
       </p:ext>
     </p:extLst>
   </p:cSld>
@@ -6082,7 +6101,7 @@
           <p:cNvPr id="2" name="Otsikko 1">
             <a:extLst>
               <a:ext uri="{FF2B5EF4-FFF2-40B4-BE49-F238E27FC236}">
-                <a16:creationId xmlns:a16="http://schemas.microsoft.com/office/drawing/2014/main" id="{23F0BC9E-8AB4-1B86-0F57-01D70C34E0CC}"/>
+                <a16:creationId xmlns:a16="http://schemas.microsoft.com/office/drawing/2014/main" id="{5CFD6481-D640-1DC5-847D-9F3FF5A229BC}"/>
               </a:ext>
             </a:extLst>
           </p:cNvPr>
@@ -6095,8 +6114,8 @@
         </p:nvSpPr>
         <p:spPr>
           <a:xfrm>
-            <a:off x="7399135" y="0"/>
-            <a:ext cx="4792865" cy="1006764"/>
+            <a:off x="2965276" y="0"/>
+            <a:ext cx="6261447" cy="1326321"/>
           </a:xfrm>
         </p:spPr>
         <p:txBody>
@@ -6106,19 +6125,18 @@
           <a:lstStyle/>
           <a:p>
             <a:r>
-              <a:rPr lang="fi-FI" sz="2800" dirty="0" err="1"/>
-              <a:t>Json_response</a:t>
-            </a:r>
-            <a:endParaRPr lang="fi-FI" sz="2800" dirty="0"/>
+              <a:rPr lang="fi-FI" sz="2800" dirty="0"/>
+              <a:t>funktioita</a:t>
+            </a:r>
           </a:p>
         </p:txBody>
       </p:sp>
       <p:pic>
         <p:nvPicPr>
-          <p:cNvPr id="6" name="Sisällön paikkamerkki 5" descr="Kuva, joka sisältää kohteen teksti, kuvakaappaus, Fontti&#10;&#10;Kuvaus luotu automaattisesti">
+          <p:cNvPr id="8" name="Sisällön paikkamerkki 7">
             <a:extLst>
               <a:ext uri="{FF2B5EF4-FFF2-40B4-BE49-F238E27FC236}">
-                <a16:creationId xmlns:a16="http://schemas.microsoft.com/office/drawing/2014/main" id="{A6193B1B-B5CA-D38B-C4B4-03A5106FE74E}"/>
+                <a16:creationId xmlns:a16="http://schemas.microsoft.com/office/drawing/2014/main" id="{DB996185-E316-6ED4-920F-B5362855D993}"/>
               </a:ext>
             </a:extLst>
           </p:cNvPr>
@@ -6130,64 +6148,51 @@
           </p:nvPr>
         </p:nvPicPr>
         <p:blipFill>
-          <a:blip r:embed="rId2">
-            <a:extLst>
-              <a:ext uri="{28A0092B-C50C-407E-A947-70E740481C1C}">
-                <a14:useLocalDpi xmlns:a14="http://schemas.microsoft.com/office/drawing/2010/main" val="0"/>
-              </a:ext>
-            </a:extLst>
-          </a:blip>
+          <a:blip r:embed="rId2"/>
           <a:stretch>
             <a:fillRect/>
           </a:stretch>
         </p:blipFill>
         <p:spPr>
           <a:xfrm>
-            <a:off x="459443" y="249383"/>
-            <a:ext cx="4099717" cy="6105236"/>
+            <a:off x="328613" y="3429000"/>
+            <a:ext cx="5689600" cy="2273921"/>
           </a:xfrm>
         </p:spPr>
       </p:pic>
-      <p:sp>
-        <p:nvSpPr>
-          <p:cNvPr id="7" name="Sisällön paikkamerkki 6">
+      <p:pic>
+        <p:nvPicPr>
+          <p:cNvPr id="6" name="Sisällön paikkamerkki 5">
             <a:extLst>
               <a:ext uri="{FF2B5EF4-FFF2-40B4-BE49-F238E27FC236}">
-                <a16:creationId xmlns:a16="http://schemas.microsoft.com/office/drawing/2014/main" id="{3BC0AE9B-33F9-1567-2AC3-DF902DB6A1A2}"/>
+                <a16:creationId xmlns:a16="http://schemas.microsoft.com/office/drawing/2014/main" id="{36449580-89DE-B33A-11FD-694C39CD3CC0}"/>
               </a:ext>
             </a:extLst>
           </p:cNvPr>
-          <p:cNvSpPr>
-            <a:spLocks noGrp="1"/>
-          </p:cNvSpPr>
+          <p:cNvPicPr>
+            <a:picLocks noGrp="1" noChangeAspect="1"/>
+          </p:cNvPicPr>
           <p:nvPr>
             <p:ph sz="half" idx="2"/>
           </p:nvPr>
-        </p:nvSpPr>
-        <p:spPr/>
-        <p:txBody>
-          <a:bodyPr/>
-          <a:lstStyle/>
-          <a:p>
-            <a:r>
-              <a:rPr lang="fi-FI" dirty="0" err="1">
-                <a:latin typeface="Bookman Old Style" panose="02050604050505020204" pitchFamily="18" charset="0"/>
-              </a:rPr>
-              <a:t>Game</a:t>
-            </a:r>
-            <a:r>
-              <a:rPr lang="fi-FI" dirty="0">
-                <a:latin typeface="Bookman Old Style" panose="02050604050505020204" pitchFamily="18" charset="0"/>
-              </a:rPr>
-              <a:t> luokan metodi joka lähetetään joka vuoron lopussa</a:t>
-            </a:r>
-          </a:p>
-        </p:txBody>
-      </p:sp>
+        </p:nvPicPr>
+        <p:blipFill>
+          <a:blip r:embed="rId3"/>
+          <a:stretch>
+            <a:fillRect/>
+          </a:stretch>
+        </p:blipFill>
+        <p:spPr>
+          <a:xfrm>
+            <a:off x="6036588" y="1291233"/>
+            <a:ext cx="5826799" cy="2172855"/>
+          </a:xfrm>
+        </p:spPr>
+      </p:pic>
     </p:spTree>
     <p:extLst>
       <p:ext uri="{BB962C8B-B14F-4D97-AF65-F5344CB8AC3E}">
-        <p14:creationId xmlns:p14="http://schemas.microsoft.com/office/powerpoint/2010/main" val="2496245893"/>
+        <p14:creationId xmlns:p14="http://schemas.microsoft.com/office/powerpoint/2010/main" val="1497341385"/>
       </p:ext>
     </p:extLst>
   </p:cSld>
@@ -6219,7 +6224,7 @@
           <p:cNvPr id="2" name="Otsikko 1">
             <a:extLst>
               <a:ext uri="{FF2B5EF4-FFF2-40B4-BE49-F238E27FC236}">
-                <a16:creationId xmlns:a16="http://schemas.microsoft.com/office/drawing/2014/main" id="{20D12AFF-EE94-4D02-07FE-9F010815DEC1}"/>
+                <a16:creationId xmlns:a16="http://schemas.microsoft.com/office/drawing/2014/main" id="{23F0BC9E-8AB4-1B86-0F57-01D70C34E0CC}"/>
               </a:ext>
             </a:extLst>
           </p:cNvPr>
@@ -6230,7 +6235,12 @@
             <p:ph type="title"/>
           </p:nvPr>
         </p:nvSpPr>
-        <p:spPr/>
+        <p:spPr>
+          <a:xfrm>
+            <a:off x="7399135" y="0"/>
+            <a:ext cx="4792865" cy="1006764"/>
+          </a:xfrm>
+        </p:spPr>
         <p:txBody>
           <a:bodyPr>
             <a:normAutofit/>
@@ -6238,23 +6248,24 @@
           <a:lstStyle/>
           <a:p>
             <a:r>
-              <a:rPr lang="fi-FI" sz="2800" dirty="0"/>
-              <a:t>html</a:t>
-            </a:r>
+              <a:rPr lang="fi-FI" sz="2800" dirty="0" err="1"/>
+              <a:t>Json_response</a:t>
+            </a:r>
+            <a:endParaRPr lang="fi-FI" sz="2800" dirty="0"/>
           </a:p>
         </p:txBody>
       </p:sp>
       <p:pic>
         <p:nvPicPr>
-          <p:cNvPr id="1026" name="Picture 2">
+          <p:cNvPr id="6" name="Sisällön paikkamerkki 5" descr="Kuva, joka sisältää kohteen teksti, kuvakaappaus, Fontti&#10;&#10;Kuvaus luotu automaattisesti">
             <a:extLst>
               <a:ext uri="{FF2B5EF4-FFF2-40B4-BE49-F238E27FC236}">
-                <a16:creationId xmlns:a16="http://schemas.microsoft.com/office/drawing/2014/main" id="{275F51D5-89BD-0FD1-6EAE-3012AF30F119}"/>
+                <a16:creationId xmlns:a16="http://schemas.microsoft.com/office/drawing/2014/main" id="{A6193B1B-B5CA-D38B-C4B4-03A5106FE74E}"/>
               </a:ext>
             </a:extLst>
           </p:cNvPr>
           <p:cNvPicPr>
-            <a:picLocks noGrp="1" noChangeAspect="1" noChangeArrowheads="1"/>
+            <a:picLocks noGrp="1" noChangeAspect="1"/>
           </p:cNvPicPr>
           <p:nvPr>
             <p:ph sz="half" idx="1"/>
@@ -6268,35 +6279,57 @@
               </a:ext>
             </a:extLst>
           </a:blip>
-          <a:srcRect/>
           <a:stretch>
             <a:fillRect/>
           </a:stretch>
         </p:blipFill>
-        <p:spPr bwMode="auto">
-          <a:xfrm>
-            <a:off x="1442616" y="2558688"/>
-            <a:ext cx="9306768" cy="3181712"/>
-          </a:xfrm>
-          <a:prstGeom prst="rect">
-            <a:avLst/>
-          </a:prstGeom>
-          <a:noFill/>
-          <a:extLst>
-            <a:ext uri="{909E8E84-426E-40DD-AFC4-6F175D3DCCD1}">
-              <a14:hiddenFill xmlns:a14="http://schemas.microsoft.com/office/drawing/2010/main">
-                <a:solidFill>
-                  <a:srgbClr val="FFFFFF"/>
-                </a:solidFill>
-              </a14:hiddenFill>
-            </a:ext>
-          </a:extLst>
+        <p:spPr>
+          <a:xfrm>
+            <a:off x="459443" y="249383"/>
+            <a:ext cx="4099717" cy="6105236"/>
+          </a:xfrm>
         </p:spPr>
       </p:pic>
+      <p:sp>
+        <p:nvSpPr>
+          <p:cNvPr id="7" name="Sisällön paikkamerkki 6">
+            <a:extLst>
+              <a:ext uri="{FF2B5EF4-FFF2-40B4-BE49-F238E27FC236}">
+                <a16:creationId xmlns:a16="http://schemas.microsoft.com/office/drawing/2014/main" id="{3BC0AE9B-33F9-1567-2AC3-DF902DB6A1A2}"/>
+              </a:ext>
+            </a:extLst>
+          </p:cNvPr>
+          <p:cNvSpPr>
+            <a:spLocks noGrp="1"/>
+          </p:cNvSpPr>
+          <p:nvPr>
+            <p:ph sz="half" idx="2"/>
+          </p:nvPr>
+        </p:nvSpPr>
+        <p:spPr/>
+        <p:txBody>
+          <a:bodyPr/>
+          <a:lstStyle/>
+          <a:p>
+            <a:r>
+              <a:rPr lang="fi-FI" dirty="0" err="1">
+                <a:latin typeface="Bookman Old Style" panose="02050604050505020204" pitchFamily="18" charset="0"/>
+              </a:rPr>
+              <a:t>Game</a:t>
+            </a:r>
+            <a:r>
+              <a:rPr lang="fi-FI" dirty="0">
+                <a:latin typeface="Bookman Old Style" panose="02050604050505020204" pitchFamily="18" charset="0"/>
+              </a:rPr>
+              <a:t> luokan metodi joka lähetetään joka vuoron lopussa</a:t>
+            </a:r>
+          </a:p>
+        </p:txBody>
+      </p:sp>
     </p:spTree>
     <p:extLst>
       <p:ext uri="{BB962C8B-B14F-4D97-AF65-F5344CB8AC3E}">
-        <p14:creationId xmlns:p14="http://schemas.microsoft.com/office/powerpoint/2010/main" val="249401572"/>
+        <p14:creationId xmlns:p14="http://schemas.microsoft.com/office/powerpoint/2010/main" val="2496245893"/>
       </p:ext>
     </p:extLst>
   </p:cSld>
@@ -6328,7 +6361,7 @@
           <p:cNvPr id="2" name="Otsikko 1">
             <a:extLst>
               <a:ext uri="{FF2B5EF4-FFF2-40B4-BE49-F238E27FC236}">
-                <a16:creationId xmlns:a16="http://schemas.microsoft.com/office/drawing/2014/main" id="{A6B2067D-F527-DA89-55AD-FB50C31FEE0F}"/>
+                <a16:creationId xmlns:a16="http://schemas.microsoft.com/office/drawing/2014/main" id="{20D12AFF-EE94-4D02-07FE-9F010815DEC1}"/>
               </a:ext>
             </a:extLst>
           </p:cNvPr>
@@ -6348,17 +6381,17 @@
           <a:p>
             <a:r>
               <a:rPr lang="fi-FI" sz="2800" dirty="0"/>
-              <a:t>Kartta</a:t>
+              <a:t>html</a:t>
             </a:r>
           </a:p>
         </p:txBody>
       </p:sp>
       <p:pic>
         <p:nvPicPr>
-          <p:cNvPr id="2050" name="Picture 2">
+          <p:cNvPr id="1026" name="Picture 2">
             <a:extLst>
               <a:ext uri="{FF2B5EF4-FFF2-40B4-BE49-F238E27FC236}">
-                <a16:creationId xmlns:a16="http://schemas.microsoft.com/office/drawing/2014/main" id="{6AADA5BC-173E-4069-0E89-554CC000662E}"/>
+                <a16:creationId xmlns:a16="http://schemas.microsoft.com/office/drawing/2014/main" id="{275F51D5-89BD-0FD1-6EAE-3012AF30F119}"/>
               </a:ext>
             </a:extLst>
           </p:cNvPr>
@@ -6384,6 +6417,228 @@
         </p:blipFill>
         <p:spPr bwMode="auto">
           <a:xfrm>
+            <a:off x="1442616" y="2558688"/>
+            <a:ext cx="9306768" cy="3181712"/>
+          </a:xfrm>
+          <a:prstGeom prst="rect">
+            <a:avLst/>
+          </a:prstGeom>
+          <a:noFill/>
+          <a:extLst>
+            <a:ext uri="{909E8E84-426E-40DD-AFC4-6F175D3DCCD1}">
+              <a14:hiddenFill xmlns:a14="http://schemas.microsoft.com/office/drawing/2010/main">
+                <a:solidFill>
+                  <a:srgbClr val="FFFFFF"/>
+                </a:solidFill>
+              </a14:hiddenFill>
+            </a:ext>
+          </a:extLst>
+        </p:spPr>
+      </p:pic>
+    </p:spTree>
+    <p:extLst>
+      <p:ext uri="{BB962C8B-B14F-4D97-AF65-F5344CB8AC3E}">
+        <p14:creationId xmlns:p14="http://schemas.microsoft.com/office/powerpoint/2010/main" val="249401572"/>
+      </p:ext>
+    </p:extLst>
+  </p:cSld>
+  <p:clrMapOvr>
+    <a:masterClrMapping/>
+  </p:clrMapOvr>
+</p:sld>
+</file>
+
+<file path=ppt/slides/slide14.xml><?xml version="1.0" encoding="utf-8"?>
+<p:sld xmlns:a="http://schemas.openxmlformats.org/drawingml/2006/main" xmlns:r="http://schemas.openxmlformats.org/officeDocument/2006/relationships" xmlns:p="http://schemas.openxmlformats.org/presentationml/2006/main">
+  <p:cSld>
+    <p:spTree>
+      <p:nvGrpSpPr>
+        <p:cNvPr id="1" name=""/>
+        <p:cNvGrpSpPr/>
+        <p:nvPr/>
+      </p:nvGrpSpPr>
+      <p:grpSpPr>
+        <a:xfrm>
+          <a:off x="0" y="0"/>
+          <a:ext cx="0" cy="0"/>
+          <a:chOff x="0" y="0"/>
+          <a:chExt cx="0" cy="0"/>
+        </a:xfrm>
+      </p:grpSpPr>
+      <p:sp>
+        <p:nvSpPr>
+          <p:cNvPr id="2" name="Otsikko 1">
+            <a:extLst>
+              <a:ext uri="{FF2B5EF4-FFF2-40B4-BE49-F238E27FC236}">
+                <a16:creationId xmlns:a16="http://schemas.microsoft.com/office/drawing/2014/main" id="{6A3CEF6E-EF9A-4DDF-6AA4-1153067C5533}"/>
+              </a:ext>
+            </a:extLst>
+          </p:cNvPr>
+          <p:cNvSpPr>
+            <a:spLocks noGrp="1"/>
+          </p:cNvSpPr>
+          <p:nvPr>
+            <p:ph type="title"/>
+          </p:nvPr>
+        </p:nvSpPr>
+        <p:spPr>
+          <a:xfrm>
+            <a:off x="919119" y="141105"/>
+            <a:ext cx="10353761" cy="1326321"/>
+          </a:xfrm>
+        </p:spPr>
+        <p:txBody>
+          <a:bodyPr/>
+          <a:lstStyle/>
+          <a:p>
+            <a:r>
+              <a:rPr lang="fi-FI" dirty="0" err="1"/>
+              <a:t>Css</a:t>
+            </a:r>
+            <a:endParaRPr lang="fi-FI" dirty="0"/>
+          </a:p>
+        </p:txBody>
+      </p:sp>
+      <p:pic>
+        <p:nvPicPr>
+          <p:cNvPr id="1026" name="Picture 2">
+            <a:extLst>
+              <a:ext uri="{FF2B5EF4-FFF2-40B4-BE49-F238E27FC236}">
+                <a16:creationId xmlns:a16="http://schemas.microsoft.com/office/drawing/2014/main" id="{BDFD5210-95C8-578D-0EA1-3903C376E2B6}"/>
+              </a:ext>
+            </a:extLst>
+          </p:cNvPr>
+          <p:cNvPicPr>
+            <a:picLocks noGrp="1" noChangeAspect="1" noChangeArrowheads="1"/>
+          </p:cNvPicPr>
+          <p:nvPr>
+            <p:ph idx="1"/>
+          </p:nvPr>
+        </p:nvPicPr>
+        <p:blipFill>
+          <a:blip r:embed="rId2">
+            <a:extLst>
+              <a:ext uri="{28A0092B-C50C-407E-A947-70E740481C1C}">
+                <a14:useLocalDpi xmlns:a14="http://schemas.microsoft.com/office/drawing/2010/main" val="0"/>
+              </a:ext>
+            </a:extLst>
+          </a:blip>
+          <a:srcRect/>
+          <a:stretch>
+            <a:fillRect/>
+          </a:stretch>
+        </p:blipFill>
+        <p:spPr bwMode="auto">
+          <a:xfrm>
+            <a:off x="2212818" y="1429325"/>
+            <a:ext cx="7766362" cy="5090392"/>
+          </a:xfrm>
+          <a:prstGeom prst="rect">
+            <a:avLst/>
+          </a:prstGeom>
+          <a:noFill/>
+          <a:extLst>
+            <a:ext uri="{909E8E84-426E-40DD-AFC4-6F175D3DCCD1}">
+              <a14:hiddenFill xmlns:a14="http://schemas.microsoft.com/office/drawing/2010/main">
+                <a:solidFill>
+                  <a:srgbClr val="FFFFFF"/>
+                </a:solidFill>
+              </a14:hiddenFill>
+            </a:ext>
+          </a:extLst>
+        </p:spPr>
+      </p:pic>
+    </p:spTree>
+    <p:extLst>
+      <p:ext uri="{BB962C8B-B14F-4D97-AF65-F5344CB8AC3E}">
+        <p14:creationId xmlns:p14="http://schemas.microsoft.com/office/powerpoint/2010/main" val="3520269495"/>
+      </p:ext>
+    </p:extLst>
+  </p:cSld>
+  <p:clrMapOvr>
+    <a:masterClrMapping/>
+  </p:clrMapOvr>
+</p:sld>
+</file>
+
+<file path=ppt/slides/slide15.xml><?xml version="1.0" encoding="utf-8"?>
+<p:sld xmlns:a="http://schemas.openxmlformats.org/drawingml/2006/main" xmlns:r="http://schemas.openxmlformats.org/officeDocument/2006/relationships" xmlns:p="http://schemas.openxmlformats.org/presentationml/2006/main">
+  <p:cSld>
+    <p:spTree>
+      <p:nvGrpSpPr>
+        <p:cNvPr id="1" name=""/>
+        <p:cNvGrpSpPr/>
+        <p:nvPr/>
+      </p:nvGrpSpPr>
+      <p:grpSpPr>
+        <a:xfrm>
+          <a:off x="0" y="0"/>
+          <a:ext cx="0" cy="0"/>
+          <a:chOff x="0" y="0"/>
+          <a:chExt cx="0" cy="0"/>
+        </a:xfrm>
+      </p:grpSpPr>
+      <p:sp>
+        <p:nvSpPr>
+          <p:cNvPr id="2" name="Otsikko 1">
+            <a:extLst>
+              <a:ext uri="{FF2B5EF4-FFF2-40B4-BE49-F238E27FC236}">
+                <a16:creationId xmlns:a16="http://schemas.microsoft.com/office/drawing/2014/main" id="{A6B2067D-F527-DA89-55AD-FB50C31FEE0F}"/>
+              </a:ext>
+            </a:extLst>
+          </p:cNvPr>
+          <p:cNvSpPr>
+            <a:spLocks noGrp="1"/>
+          </p:cNvSpPr>
+          <p:nvPr>
+            <p:ph type="title"/>
+          </p:nvPr>
+        </p:nvSpPr>
+        <p:spPr/>
+        <p:txBody>
+          <a:bodyPr>
+            <a:normAutofit/>
+          </a:bodyPr>
+          <a:lstStyle/>
+          <a:p>
+            <a:r>
+              <a:rPr lang="fi-FI" sz="2800" dirty="0"/>
+              <a:t>Kartta</a:t>
+            </a:r>
+          </a:p>
+        </p:txBody>
+      </p:sp>
+      <p:pic>
+        <p:nvPicPr>
+          <p:cNvPr id="2050" name="Picture 2">
+            <a:extLst>
+              <a:ext uri="{FF2B5EF4-FFF2-40B4-BE49-F238E27FC236}">
+                <a16:creationId xmlns:a16="http://schemas.microsoft.com/office/drawing/2014/main" id="{6AADA5BC-173E-4069-0E89-554CC000662E}"/>
+              </a:ext>
+            </a:extLst>
+          </p:cNvPr>
+          <p:cNvPicPr>
+            <a:picLocks noGrp="1" noChangeAspect="1" noChangeArrowheads="1"/>
+          </p:cNvPicPr>
+          <p:nvPr>
+            <p:ph sz="half" idx="1"/>
+          </p:nvPr>
+        </p:nvPicPr>
+        <p:blipFill>
+          <a:blip r:embed="rId2">
+            <a:extLst>
+              <a:ext uri="{28A0092B-C50C-407E-A947-70E740481C1C}">
+                <a14:useLocalDpi xmlns:a14="http://schemas.microsoft.com/office/drawing/2010/main" val="0"/>
+              </a:ext>
+            </a:extLst>
+          </a:blip>
+          <a:srcRect/>
+          <a:stretch>
+            <a:fillRect/>
+          </a:stretch>
+        </p:blipFill>
+        <p:spPr bwMode="auto">
+          <a:xfrm>
             <a:off x="1342084" y="1810327"/>
             <a:ext cx="9497181" cy="4438073"/>
           </a:xfrm>
@@ -6415,7 +6670,7 @@
 </p:sld>
 </file>
 
-<file path=ppt/slides/slide14.xml><?xml version="1.0" encoding="utf-8"?>
+<file path=ppt/slides/slide16.xml><?xml version="1.0" encoding="utf-8"?>
 <p:sld xmlns:a="http://schemas.openxmlformats.org/drawingml/2006/main" xmlns:r="http://schemas.openxmlformats.org/officeDocument/2006/relationships" xmlns:p="http://schemas.openxmlformats.org/presentationml/2006/main">
   <p:cSld>
     <p:spTree>
@@ -6574,7 +6829,7 @@
 </p:sld>
 </file>
 
-<file path=ppt/slides/slide15.xml><?xml version="1.0" encoding="utf-8"?>
+<file path=ppt/slides/slide17.xml><?xml version="1.0" encoding="utf-8"?>
 <p:sld xmlns:a="http://schemas.openxmlformats.org/drawingml/2006/main" xmlns:r="http://schemas.openxmlformats.org/officeDocument/2006/relationships" xmlns:p="http://schemas.openxmlformats.org/presentationml/2006/main">
   <p:cSld>
     <p:spTree>
@@ -6798,6 +7053,72 @@
 </file>
 
 <file path=ppt/slides/slide2.xml><?xml version="1.0" encoding="utf-8"?>
+<p:sld xmlns:a="http://schemas.openxmlformats.org/drawingml/2006/main" xmlns:r="http://schemas.openxmlformats.org/officeDocument/2006/relationships" xmlns:p="http://schemas.openxmlformats.org/presentationml/2006/main">
+  <p:cSld>
+    <p:spTree>
+      <p:nvGrpSpPr>
+        <p:cNvPr id="1" name=""/>
+        <p:cNvGrpSpPr/>
+        <p:nvPr/>
+      </p:nvGrpSpPr>
+      <p:grpSpPr>
+        <a:xfrm>
+          <a:off x="0" y="0"/>
+          <a:ext cx="0" cy="0"/>
+          <a:chOff x="0" y="0"/>
+          <a:chExt cx="0" cy="0"/>
+        </a:xfrm>
+      </p:grpSpPr>
+      <p:pic>
+        <p:nvPicPr>
+          <p:cNvPr id="4" name="Kuva 3" descr="Kuva, joka sisältää kohteen teksti, kuvakaappaus, diagrammi, muotoilu&#10;&#10;Kuvaus luotu automaattisesti">
+            <a:extLst>
+              <a:ext uri="{FF2B5EF4-FFF2-40B4-BE49-F238E27FC236}">
+                <a16:creationId xmlns:a16="http://schemas.microsoft.com/office/drawing/2014/main" id="{57270990-BF22-E1A7-8560-468D517C55E3}"/>
+              </a:ext>
+            </a:extLst>
+          </p:cNvPr>
+          <p:cNvPicPr>
+            <a:picLocks noChangeAspect="1"/>
+          </p:cNvPicPr>
+          <p:nvPr/>
+        </p:nvPicPr>
+        <p:blipFill>
+          <a:blip r:embed="rId2">
+            <a:extLst>
+              <a:ext uri="{28A0092B-C50C-407E-A947-70E740481C1C}">
+                <a14:useLocalDpi xmlns:a14="http://schemas.microsoft.com/office/drawing/2010/main" val="0"/>
+              </a:ext>
+            </a:extLst>
+          </a:blip>
+          <a:stretch>
+            <a:fillRect/>
+          </a:stretch>
+        </p:blipFill>
+        <p:spPr>
+          <a:xfrm>
+            <a:off x="1038304" y="585214"/>
+            <a:ext cx="10115391" cy="5687571"/>
+          </a:xfrm>
+          <a:prstGeom prst="rect">
+            <a:avLst/>
+          </a:prstGeom>
+        </p:spPr>
+      </p:pic>
+    </p:spTree>
+    <p:extLst>
+      <p:ext uri="{BB962C8B-B14F-4D97-AF65-F5344CB8AC3E}">
+        <p14:creationId xmlns:p14="http://schemas.microsoft.com/office/powerpoint/2010/main" val="3697854576"/>
+      </p:ext>
+    </p:extLst>
+  </p:cSld>
+  <p:clrMapOvr>
+    <a:masterClrMapping/>
+  </p:clrMapOvr>
+</p:sld>
+</file>
+
+<file path=ppt/slides/slide3.xml><?xml version="1.0" encoding="utf-8"?>
 <p:sld xmlns:a="http://schemas.openxmlformats.org/drawingml/2006/main" xmlns:r="http://schemas.openxmlformats.org/officeDocument/2006/relationships" xmlns:p="http://schemas.openxmlformats.org/presentationml/2006/main">
   <p:cSld>
     <p:bg>
@@ -7131,170 +7452,6 @@
 </p:sld>
 </file>
 
-<file path=ppt/slides/slide3.xml><?xml version="1.0" encoding="utf-8"?>
-<p:sld xmlns:a="http://schemas.openxmlformats.org/drawingml/2006/main" xmlns:r="http://schemas.openxmlformats.org/officeDocument/2006/relationships" xmlns:p="http://schemas.openxmlformats.org/presentationml/2006/main">
-  <p:cSld>
-    <p:spTree>
-      <p:nvGrpSpPr>
-        <p:cNvPr id="1" name=""/>
-        <p:cNvGrpSpPr/>
-        <p:nvPr/>
-      </p:nvGrpSpPr>
-      <p:grpSpPr>
-        <a:xfrm>
-          <a:off x="0" y="0"/>
-          <a:ext cx="0" cy="0"/>
-          <a:chOff x="0" y="0"/>
-          <a:chExt cx="0" cy="0"/>
-        </a:xfrm>
-      </p:grpSpPr>
-      <p:sp>
-        <p:nvSpPr>
-          <p:cNvPr id="2" name="Otsikko 1">
-            <a:extLst>
-              <a:ext uri="{FF2B5EF4-FFF2-40B4-BE49-F238E27FC236}">
-                <a16:creationId xmlns:a16="http://schemas.microsoft.com/office/drawing/2014/main" id="{99DB17C6-D0F2-8AD0-72B1-3893F293EE1D}"/>
-              </a:ext>
-            </a:extLst>
-          </p:cNvPr>
-          <p:cNvSpPr>
-            <a:spLocks noGrp="1"/>
-          </p:cNvSpPr>
-          <p:nvPr>
-            <p:ph type="title"/>
-          </p:nvPr>
-        </p:nvSpPr>
-        <p:spPr>
-          <a:xfrm>
-            <a:off x="913795" y="609600"/>
-            <a:ext cx="3735843" cy="1326321"/>
-          </a:xfrm>
-        </p:spPr>
-        <p:txBody>
-          <a:bodyPr>
-            <a:normAutofit/>
-          </a:bodyPr>
-          <a:lstStyle/>
-          <a:p>
-            <a:r>
-              <a:rPr lang="fi-FI" sz="2800" dirty="0" err="1"/>
-              <a:t>Add_player</a:t>
-            </a:r>
-            <a:endParaRPr lang="fi-FI" sz="2800" dirty="0"/>
-          </a:p>
-        </p:txBody>
-      </p:sp>
-      <p:sp>
-        <p:nvSpPr>
-          <p:cNvPr id="3" name="Sisällön paikkamerkki 2">
-            <a:extLst>
-              <a:ext uri="{FF2B5EF4-FFF2-40B4-BE49-F238E27FC236}">
-                <a16:creationId xmlns:a16="http://schemas.microsoft.com/office/drawing/2014/main" id="{1493CC22-B6DA-EA67-574A-F2E4397A5842}"/>
-              </a:ext>
-            </a:extLst>
-          </p:cNvPr>
-          <p:cNvSpPr>
-            <a:spLocks noGrp="1"/>
-          </p:cNvSpPr>
-          <p:nvPr>
-            <p:ph sz="half" idx="1"/>
-          </p:nvPr>
-        </p:nvSpPr>
-        <p:spPr/>
-        <p:txBody>
-          <a:bodyPr/>
-          <a:lstStyle/>
-          <a:p>
-            <a:endParaRPr lang="fi-FI" dirty="0"/>
-          </a:p>
-          <a:p>
-            <a:r>
-              <a:rPr lang="fi-FI" dirty="0">
-                <a:latin typeface="+mj-lt"/>
-              </a:rPr>
-              <a:t>Luo uuden pelin saaduilla arvoilla, mikäli </a:t>
-            </a:r>
-            <a:r>
-              <a:rPr lang="fi-FI" dirty="0" err="1">
-                <a:latin typeface="+mj-lt"/>
-              </a:rPr>
-              <a:t>savegame</a:t>
-            </a:r>
-            <a:r>
-              <a:rPr lang="fi-FI" dirty="0">
-                <a:latin typeface="+mj-lt"/>
-              </a:rPr>
-              <a:t> päätepisteeltä tuli </a:t>
-            </a:r>
-            <a:r>
-              <a:rPr lang="fi-FI" dirty="0" err="1">
-                <a:latin typeface="+mj-lt"/>
-              </a:rPr>
-              <a:t>Null</a:t>
-            </a:r>
-            <a:r>
-              <a:rPr lang="fi-FI" dirty="0">
-                <a:latin typeface="+mj-lt"/>
-              </a:rPr>
-              <a:t>-arvo</a:t>
-            </a:r>
-          </a:p>
-          <a:p>
-            <a:endParaRPr lang="fi-FI" dirty="0"/>
-          </a:p>
-          <a:p>
-            <a:endParaRPr lang="fi-FI" dirty="0"/>
-          </a:p>
-        </p:txBody>
-      </p:sp>
-      <p:pic>
-        <p:nvPicPr>
-          <p:cNvPr id="10" name="Sisällön paikkamerkki 9" descr="Kuva, joka sisältää kohteen teksti, kuvakaappaus, Fontti&#10;&#10;Kuvaus luotu automaattisesti">
-            <a:extLst>
-              <a:ext uri="{FF2B5EF4-FFF2-40B4-BE49-F238E27FC236}">
-                <a16:creationId xmlns:a16="http://schemas.microsoft.com/office/drawing/2014/main" id="{6C795A3E-3026-5012-7EE1-2F50C3EEEEA1}"/>
-              </a:ext>
-            </a:extLst>
-          </p:cNvPr>
-          <p:cNvPicPr>
-            <a:picLocks noGrp="1" noChangeAspect="1"/>
-          </p:cNvPicPr>
-          <p:nvPr>
-            <p:ph sz="half" idx="2"/>
-          </p:nvPr>
-        </p:nvPicPr>
-        <p:blipFill>
-          <a:blip r:embed="rId2">
-            <a:extLst>
-              <a:ext uri="{28A0092B-C50C-407E-A947-70E740481C1C}">
-                <a14:useLocalDpi xmlns:a14="http://schemas.microsoft.com/office/drawing/2010/main" val="0"/>
-              </a:ext>
-            </a:extLst>
-          </a:blip>
-          <a:stretch>
-            <a:fillRect/>
-          </a:stretch>
-        </p:blipFill>
-        <p:spPr>
-          <a:xfrm>
-            <a:off x="6096000" y="2088319"/>
-            <a:ext cx="5735493" cy="2382981"/>
-          </a:xfrm>
-        </p:spPr>
-      </p:pic>
-    </p:spTree>
-    <p:extLst>
-      <p:ext uri="{BB962C8B-B14F-4D97-AF65-F5344CB8AC3E}">
-        <p14:creationId xmlns:p14="http://schemas.microsoft.com/office/powerpoint/2010/main" val="2114191399"/>
-      </p:ext>
-    </p:extLst>
-  </p:cSld>
-  <p:clrMapOvr>
-    <a:masterClrMapping/>
-  </p:clrMapOvr>
-</p:sld>
-</file>
-
 <file path=ppt/slides/slide4.xml><?xml version="1.0" encoding="utf-8"?>
 <p:sld xmlns:a="http://schemas.openxmlformats.org/drawingml/2006/main" xmlns:r="http://schemas.openxmlformats.org/officeDocument/2006/relationships" xmlns:p="http://schemas.openxmlformats.org/presentationml/2006/main">
   <p:cSld>
@@ -7317,7 +7474,7 @@
           <p:cNvPr id="2" name="Otsikko 1">
             <a:extLst>
               <a:ext uri="{FF2B5EF4-FFF2-40B4-BE49-F238E27FC236}">
-                <a16:creationId xmlns:a16="http://schemas.microsoft.com/office/drawing/2014/main" id="{F0D5E9AF-0C2D-A4DE-F7D0-F4E5395E26D5}"/>
+                <a16:creationId xmlns:a16="http://schemas.microsoft.com/office/drawing/2014/main" id="{99DB17C6-D0F2-8AD0-72B1-3893F293EE1D}"/>
               </a:ext>
             </a:extLst>
           </p:cNvPr>
@@ -7330,8 +7487,8 @@
         </p:nvSpPr>
         <p:spPr>
           <a:xfrm>
-            <a:off x="5196505" y="665019"/>
-            <a:ext cx="7047950" cy="1326321"/>
+            <a:off x="913795" y="609600"/>
+            <a:ext cx="3735843" cy="1326321"/>
           </a:xfrm>
         </p:spPr>
         <p:txBody>
@@ -7342,18 +7499,81 @@
           <a:p>
             <a:r>
               <a:rPr lang="fi-FI" sz="2800" dirty="0" err="1"/>
-              <a:t>Do_action</a:t>
+              <a:t>Add_player</a:t>
             </a:r>
             <a:endParaRPr lang="fi-FI" sz="2800" dirty="0"/>
+          </a:p>
+        </p:txBody>
+      </p:sp>
+      <p:sp>
+        <p:nvSpPr>
+          <p:cNvPr id="3" name="Sisällön paikkamerkki 2">
+            <a:extLst>
+              <a:ext uri="{FF2B5EF4-FFF2-40B4-BE49-F238E27FC236}">
+                <a16:creationId xmlns:a16="http://schemas.microsoft.com/office/drawing/2014/main" id="{1493CC22-B6DA-EA67-574A-F2E4397A5842}"/>
+              </a:ext>
+            </a:extLst>
+          </p:cNvPr>
+          <p:cNvSpPr>
+            <a:spLocks noGrp="1"/>
+          </p:cNvSpPr>
+          <p:nvPr>
+            <p:ph sz="half" idx="1"/>
+          </p:nvPr>
+        </p:nvSpPr>
+        <p:spPr/>
+        <p:txBody>
+          <a:bodyPr/>
+          <a:lstStyle/>
+          <a:p>
+            <a:endParaRPr lang="fi-FI" dirty="0"/>
+          </a:p>
+          <a:p>
+            <a:r>
+              <a:rPr lang="fi-FI" dirty="0">
+                <a:latin typeface="+mj-lt"/>
+              </a:rPr>
+              <a:t>Luo uuden pelin saaduilla arvoilla, mikäli </a:t>
+            </a:r>
+            <a:r>
+              <a:rPr lang="fi-FI" dirty="0" err="1">
+                <a:latin typeface="+mj-lt"/>
+              </a:rPr>
+              <a:t>savegame</a:t>
+            </a:r>
+            <a:r>
+              <a:rPr lang="fi-FI" dirty="0">
+                <a:latin typeface="+mj-lt"/>
+              </a:rPr>
+              <a:t> päätepisteeltä tuli </a:t>
+            </a:r>
+            <a:r>
+              <a:rPr lang="fi-FI" dirty="0" err="1">
+                <a:latin typeface="+mj-lt"/>
+              </a:rPr>
+              <a:t>Null</a:t>
+            </a:r>
+            <a:r>
+              <a:rPr lang="fi-FI" dirty="0">
+                <a:latin typeface="+mj-lt"/>
+              </a:rPr>
+              <a:t>-arvo</a:t>
+            </a:r>
+          </a:p>
+          <a:p>
+            <a:endParaRPr lang="fi-FI" dirty="0"/>
+          </a:p>
+          <a:p>
+            <a:endParaRPr lang="fi-FI" dirty="0"/>
           </a:p>
         </p:txBody>
       </p:sp>
       <p:pic>
         <p:nvPicPr>
-          <p:cNvPr id="6" name="Sisällön paikkamerkki 5" descr="Kuva, joka sisältää kohteen teksti, kuvakaappaus, ruokalista, Fontti&#10;&#10;Kuvaus luotu automaattisesti">
+          <p:cNvPr id="10" name="Sisällön paikkamerkki 9" descr="Kuva, joka sisältää kohteen teksti, kuvakaappaus, Fontti&#10;&#10;Kuvaus luotu automaattisesti">
             <a:extLst>
               <a:ext uri="{FF2B5EF4-FFF2-40B4-BE49-F238E27FC236}">
-                <a16:creationId xmlns:a16="http://schemas.microsoft.com/office/drawing/2014/main" id="{AB05500B-0A40-06E5-4257-05AB562D7939}"/>
+                <a16:creationId xmlns:a16="http://schemas.microsoft.com/office/drawing/2014/main" id="{6C795A3E-3026-5012-7EE1-2F50C3EEEEA1}"/>
               </a:ext>
             </a:extLst>
           </p:cNvPr>
@@ -7361,7 +7581,7 @@
             <a:picLocks noGrp="1" noChangeAspect="1"/>
           </p:cNvPicPr>
           <p:nvPr>
-            <p:ph sz="half" idx="1"/>
+            <p:ph sz="half" idx="2"/>
           </p:nvPr>
         </p:nvPicPr>
         <p:blipFill>
@@ -7378,76 +7598,15 @@
         </p:blipFill>
         <p:spPr>
           <a:xfrm>
-            <a:off x="0" y="785236"/>
-            <a:ext cx="5139563" cy="6072764"/>
+            <a:off x="6096000" y="2088319"/>
+            <a:ext cx="5735493" cy="2382981"/>
           </a:xfrm>
         </p:spPr>
       </p:pic>
-      <p:sp>
-        <p:nvSpPr>
-          <p:cNvPr id="4" name="Sisällön paikkamerkki 3">
-            <a:extLst>
-              <a:ext uri="{FF2B5EF4-FFF2-40B4-BE49-F238E27FC236}">
-                <a16:creationId xmlns:a16="http://schemas.microsoft.com/office/drawing/2014/main" id="{5BD85D47-8CF1-BBA1-D261-3397C52CEFF1}"/>
-              </a:ext>
-            </a:extLst>
-          </p:cNvPr>
-          <p:cNvSpPr>
-            <a:spLocks noGrp="1"/>
-          </p:cNvSpPr>
-          <p:nvPr>
-            <p:ph sz="half" idx="2"/>
-          </p:nvPr>
-        </p:nvSpPr>
-        <p:spPr/>
-        <p:txBody>
-          <a:bodyPr/>
-          <a:lstStyle/>
-          <a:p>
-            <a:r>
-              <a:rPr lang="fi-FI" dirty="0" err="1">
-                <a:latin typeface="Bookman Old Style" panose="02050604050505020204" pitchFamily="18" charset="0"/>
-              </a:rPr>
-              <a:t>Frontista</a:t>
-            </a:r>
-            <a:r>
-              <a:rPr lang="fi-FI" dirty="0">
-                <a:latin typeface="Bookman Old Style" panose="02050604050505020204" pitchFamily="18" charset="0"/>
-              </a:rPr>
-              <a:t> tulee arvot joilla </a:t>
-            </a:r>
-            <a:r>
-              <a:rPr lang="fi-FI" dirty="0" err="1">
-                <a:latin typeface="Bookman Old Style" panose="02050604050505020204" pitchFamily="18" charset="0"/>
-              </a:rPr>
-              <a:t>backend</a:t>
-            </a:r>
-            <a:r>
-              <a:rPr lang="fi-FI" dirty="0">
-                <a:latin typeface="Bookman Old Style" panose="02050604050505020204" pitchFamily="18" charset="0"/>
-              </a:rPr>
-              <a:t> hoitaa pelin logiikan.</a:t>
-            </a:r>
-          </a:p>
-          <a:p>
-            <a:endParaRPr lang="fi-FI" dirty="0">
-              <a:latin typeface="Bookman Old Style" panose="02050604050505020204" pitchFamily="18" charset="0"/>
-            </a:endParaRPr>
-          </a:p>
-          <a:p>
-            <a:r>
-              <a:rPr lang="fi-FI" dirty="0">
-                <a:latin typeface="Bookman Old Style" panose="02050604050505020204" pitchFamily="18" charset="0"/>
-              </a:rPr>
-              <a:t>Pelinnimi, pelaajan id, toiminto ja paikka.</a:t>
-            </a:r>
-          </a:p>
-        </p:txBody>
-      </p:sp>
     </p:spTree>
     <p:extLst>
       <p:ext uri="{BB962C8B-B14F-4D97-AF65-F5344CB8AC3E}">
-        <p14:creationId xmlns:p14="http://schemas.microsoft.com/office/powerpoint/2010/main" val="693004741"/>
+        <p14:creationId xmlns:p14="http://schemas.microsoft.com/office/powerpoint/2010/main" val="2114191399"/>
       </p:ext>
     </p:extLst>
   </p:cSld>
@@ -7479,7 +7638,7 @@
           <p:cNvPr id="2" name="Otsikko 1">
             <a:extLst>
               <a:ext uri="{FF2B5EF4-FFF2-40B4-BE49-F238E27FC236}">
-                <a16:creationId xmlns:a16="http://schemas.microsoft.com/office/drawing/2014/main" id="{6B974840-DA9E-BFA0-7F2C-B16F7D5628F3}"/>
+                <a16:creationId xmlns:a16="http://schemas.microsoft.com/office/drawing/2014/main" id="{F0D5E9AF-0C2D-A4DE-F7D0-F4E5395E26D5}"/>
               </a:ext>
             </a:extLst>
           </p:cNvPr>
@@ -7492,8 +7651,8 @@
         </p:nvSpPr>
         <p:spPr>
           <a:xfrm>
-            <a:off x="6360993" y="424874"/>
-            <a:ext cx="4718974" cy="1006764"/>
+            <a:off x="5196505" y="665019"/>
+            <a:ext cx="7047950" cy="1326321"/>
           </a:xfrm>
         </p:spPr>
         <p:txBody>
@@ -7504,7 +7663,7 @@
           <a:p>
             <a:r>
               <a:rPr lang="fi-FI" sz="2800" dirty="0" err="1"/>
-              <a:t>End_game</a:t>
+              <a:t>Do_action</a:t>
             </a:r>
             <a:endParaRPr lang="fi-FI" sz="2800" dirty="0"/>
           </a:p>
@@ -7512,10 +7671,10 @@
       </p:sp>
       <p:pic>
         <p:nvPicPr>
-          <p:cNvPr id="6" name="Sisällön paikkamerkki 5" descr="Kuva, joka sisältää kohteen teksti, kuvakaappaus, ohjelmisto&#10;&#10;Kuvaus luotu automaattisesti">
+          <p:cNvPr id="6" name="Sisällön paikkamerkki 5" descr="Kuva, joka sisältää kohteen teksti, kuvakaappaus, ruokalista, Fontti&#10;&#10;Kuvaus luotu automaattisesti">
             <a:extLst>
               <a:ext uri="{FF2B5EF4-FFF2-40B4-BE49-F238E27FC236}">
-                <a16:creationId xmlns:a16="http://schemas.microsoft.com/office/drawing/2014/main" id="{9538A1DC-4FCC-95D6-91DD-98A246BE5694}"/>
+                <a16:creationId xmlns:a16="http://schemas.microsoft.com/office/drawing/2014/main" id="{AB05500B-0A40-06E5-4257-05AB562D7939}"/>
               </a:ext>
             </a:extLst>
           </p:cNvPr>
@@ -7540,8 +7699,8 @@
         </p:blipFill>
         <p:spPr>
           <a:xfrm>
-            <a:off x="0" y="582036"/>
-            <a:ext cx="5927168" cy="6275964"/>
+            <a:off x="0" y="785236"/>
+            <a:ext cx="5139563" cy="6072764"/>
           </a:xfrm>
         </p:spPr>
       </p:pic>
@@ -7550,7 +7709,7 @@
           <p:cNvPr id="4" name="Sisällön paikkamerkki 3">
             <a:extLst>
               <a:ext uri="{FF2B5EF4-FFF2-40B4-BE49-F238E27FC236}">
-                <a16:creationId xmlns:a16="http://schemas.microsoft.com/office/drawing/2014/main" id="{315C90ED-096D-5CE7-28B7-77106B5D5474}"/>
+                <a16:creationId xmlns:a16="http://schemas.microsoft.com/office/drawing/2014/main" id="{5BD85D47-8CF1-BBA1-D261-3397C52CEFF1}"/>
               </a:ext>
             </a:extLst>
           </p:cNvPr>
@@ -7567,36 +7726,49 @@
           <a:lstStyle/>
           <a:p>
             <a:r>
+              <a:rPr lang="fi-FI" dirty="0" err="1">
+                <a:latin typeface="Bookman Old Style" panose="02050604050505020204" pitchFamily="18" charset="0"/>
+              </a:rPr>
+              <a:t>Frontista</a:t>
+            </a:r>
+            <a:r>
               <a:rPr lang="fi-FI" dirty="0">
                 <a:latin typeface="Bookman Old Style" panose="02050604050505020204" pitchFamily="18" charset="0"/>
               </a:rPr>
-              <a:t>Kun peli on ohi lähtee pyyntö </a:t>
+              <a:t> tulee arvot joilla </a:t>
             </a:r>
             <a:r>
               <a:rPr lang="fi-FI" dirty="0" err="1">
                 <a:latin typeface="Bookman Old Style" panose="02050604050505020204" pitchFamily="18" charset="0"/>
               </a:rPr>
-              <a:t>end_game</a:t>
+              <a:t>backend</a:t>
             </a:r>
             <a:r>
               <a:rPr lang="fi-FI" dirty="0">
                 <a:latin typeface="Bookman Old Style" panose="02050604050505020204" pitchFamily="18" charset="0"/>
               </a:rPr>
-              <a:t> päätepisteelle, joka tyhjentää voitetun pelin peli olion ja pelaaja oliot. Sen jälkeen poistaa tietokannasta pelin</a:t>
-            </a:r>
-          </a:p>
-          <a:p>
-            <a:pPr marL="0" indent="0">
-              <a:buNone/>
-            </a:pPr>
-            <a:endParaRPr lang="fi-FI" dirty="0"/>
+              <a:t> hoitaa pelin logiikan.</a:t>
+            </a:r>
+          </a:p>
+          <a:p>
+            <a:endParaRPr lang="fi-FI" dirty="0">
+              <a:latin typeface="Bookman Old Style" panose="02050604050505020204" pitchFamily="18" charset="0"/>
+            </a:endParaRPr>
+          </a:p>
+          <a:p>
+            <a:r>
+              <a:rPr lang="fi-FI" dirty="0">
+                <a:latin typeface="Bookman Old Style" panose="02050604050505020204" pitchFamily="18" charset="0"/>
+              </a:rPr>
+              <a:t>Pelinnimi, pelaajan id, toiminto ja paikka.</a:t>
+            </a:r>
           </a:p>
         </p:txBody>
       </p:sp>
     </p:spTree>
     <p:extLst>
       <p:ext uri="{BB962C8B-B14F-4D97-AF65-F5344CB8AC3E}">
-        <p14:creationId xmlns:p14="http://schemas.microsoft.com/office/powerpoint/2010/main" val="313313246"/>
+        <p14:creationId xmlns:p14="http://schemas.microsoft.com/office/powerpoint/2010/main" val="693004741"/>
       </p:ext>
     </p:extLst>
   </p:cSld>
@@ -7628,7 +7800,7 @@
           <p:cNvPr id="2" name="Otsikko 1">
             <a:extLst>
               <a:ext uri="{FF2B5EF4-FFF2-40B4-BE49-F238E27FC236}">
-                <a16:creationId xmlns:a16="http://schemas.microsoft.com/office/drawing/2014/main" id="{6C8DB660-0222-7921-2B7C-CDB29FC6429D}"/>
+                <a16:creationId xmlns:a16="http://schemas.microsoft.com/office/drawing/2014/main" id="{6B974840-DA9E-BFA0-7F2C-B16F7D5628F3}"/>
               </a:ext>
             </a:extLst>
           </p:cNvPr>
@@ -7641,8 +7813,8 @@
         </p:nvSpPr>
         <p:spPr>
           <a:xfrm>
-            <a:off x="3842024" y="120073"/>
-            <a:ext cx="4507951" cy="1108364"/>
+            <a:off x="6360993" y="424874"/>
+            <a:ext cx="4718974" cy="1006764"/>
           </a:xfrm>
         </p:spPr>
         <p:txBody>
@@ -7652,9 +7824,10 @@
           <a:lstStyle/>
           <a:p>
             <a:r>
-              <a:rPr lang="fi-FI" sz="2800" dirty="0"/>
-              <a:t>’__main__’</a:t>
-            </a:r>
+              <a:rPr lang="fi-FI" sz="2800" dirty="0" err="1"/>
+              <a:t>End_game</a:t>
+            </a:r>
+            <a:endParaRPr lang="fi-FI" sz="2800" dirty="0"/>
           </a:p>
         </p:txBody>
       </p:sp>
@@ -7663,7 +7836,7 @@
           <p:cNvPr id="6" name="Sisällön paikkamerkki 5" descr="Kuva, joka sisältää kohteen teksti, kuvakaappaus, ohjelmisto&#10;&#10;Kuvaus luotu automaattisesti">
             <a:extLst>
               <a:ext uri="{FF2B5EF4-FFF2-40B4-BE49-F238E27FC236}">
-                <a16:creationId xmlns:a16="http://schemas.microsoft.com/office/drawing/2014/main" id="{ACED6613-BD50-F426-0E85-94FF66F02253}"/>
+                <a16:creationId xmlns:a16="http://schemas.microsoft.com/office/drawing/2014/main" id="{9538A1DC-4FCC-95D6-91DD-98A246BE5694}"/>
               </a:ext>
             </a:extLst>
           </p:cNvPr>
@@ -7688,15 +7861,63 @@
         </p:blipFill>
         <p:spPr>
           <a:xfrm>
-            <a:off x="2069554" y="1228437"/>
-            <a:ext cx="8052891" cy="5158602"/>
+            <a:off x="0" y="582036"/>
+            <a:ext cx="5927168" cy="6275964"/>
           </a:xfrm>
         </p:spPr>
       </p:pic>
+      <p:sp>
+        <p:nvSpPr>
+          <p:cNvPr id="4" name="Sisällön paikkamerkki 3">
+            <a:extLst>
+              <a:ext uri="{FF2B5EF4-FFF2-40B4-BE49-F238E27FC236}">
+                <a16:creationId xmlns:a16="http://schemas.microsoft.com/office/drawing/2014/main" id="{315C90ED-096D-5CE7-28B7-77106B5D5474}"/>
+              </a:ext>
+            </a:extLst>
+          </p:cNvPr>
+          <p:cNvSpPr>
+            <a:spLocks noGrp="1"/>
+          </p:cNvSpPr>
+          <p:nvPr>
+            <p:ph sz="half" idx="2"/>
+          </p:nvPr>
+        </p:nvSpPr>
+        <p:spPr/>
+        <p:txBody>
+          <a:bodyPr/>
+          <a:lstStyle/>
+          <a:p>
+            <a:r>
+              <a:rPr lang="fi-FI" dirty="0">
+                <a:latin typeface="Bookman Old Style" panose="02050604050505020204" pitchFamily="18" charset="0"/>
+              </a:rPr>
+              <a:t>Kun peli on ohi lähtee pyyntö </a:t>
+            </a:r>
+            <a:r>
+              <a:rPr lang="fi-FI" dirty="0" err="1">
+                <a:latin typeface="Bookman Old Style" panose="02050604050505020204" pitchFamily="18" charset="0"/>
+              </a:rPr>
+              <a:t>end_game</a:t>
+            </a:r>
+            <a:r>
+              <a:rPr lang="fi-FI" dirty="0">
+                <a:latin typeface="Bookman Old Style" panose="02050604050505020204" pitchFamily="18" charset="0"/>
+              </a:rPr>
+              <a:t> päätepisteelle, joka tyhjentää voitetun pelin peli olion ja pelaaja oliot. Sen jälkeen poistaa tietokannasta pelin</a:t>
+            </a:r>
+          </a:p>
+          <a:p>
+            <a:pPr marL="0" indent="0">
+              <a:buNone/>
+            </a:pPr>
+            <a:endParaRPr lang="fi-FI" dirty="0"/>
+          </a:p>
+        </p:txBody>
+      </p:sp>
     </p:spTree>
     <p:extLst>
       <p:ext uri="{BB962C8B-B14F-4D97-AF65-F5344CB8AC3E}">
-        <p14:creationId xmlns:p14="http://schemas.microsoft.com/office/powerpoint/2010/main" val="4281695433"/>
+        <p14:creationId xmlns:p14="http://schemas.microsoft.com/office/powerpoint/2010/main" val="313313246"/>
       </p:ext>
     </p:extLst>
   </p:cSld>
@@ -7728,7 +7949,7 @@
           <p:cNvPr id="2" name="Otsikko 1">
             <a:extLst>
               <a:ext uri="{FF2B5EF4-FFF2-40B4-BE49-F238E27FC236}">
-                <a16:creationId xmlns:a16="http://schemas.microsoft.com/office/drawing/2014/main" id="{D56BAAC5-C390-F799-9919-324E9FE68E26}"/>
+                <a16:creationId xmlns:a16="http://schemas.microsoft.com/office/drawing/2014/main" id="{6C8DB660-0222-7921-2B7C-CDB29FC6429D}"/>
               </a:ext>
             </a:extLst>
           </p:cNvPr>
@@ -7741,28 +7962,29 @@
         </p:nvSpPr>
         <p:spPr>
           <a:xfrm>
-            <a:off x="923925" y="1066801"/>
-            <a:ext cx="3932237" cy="671945"/>
-          </a:xfrm>
-        </p:spPr>
-        <p:txBody>
-          <a:bodyPr/>
-          <a:lstStyle/>
-          <a:p>
-            <a:r>
-              <a:rPr lang="fi-FI" dirty="0" err="1"/>
-              <a:t>Cities_in_range</a:t>
-            </a:r>
-            <a:endParaRPr lang="fi-FI" dirty="0"/>
+            <a:off x="3842024" y="120073"/>
+            <a:ext cx="4507951" cy="1108364"/>
+          </a:xfrm>
+        </p:spPr>
+        <p:txBody>
+          <a:bodyPr>
+            <a:normAutofit/>
+          </a:bodyPr>
+          <a:lstStyle/>
+          <a:p>
+            <a:r>
+              <a:rPr lang="fi-FI" sz="2800" dirty="0"/>
+              <a:t>’__main__’</a:t>
+            </a:r>
           </a:p>
         </p:txBody>
       </p:sp>
       <p:pic>
         <p:nvPicPr>
-          <p:cNvPr id="6" name="Sisällön paikkamerkki 5" descr="Kuva, joka sisältää kohteen teksti, kuvakaappaus&#10;&#10;Kuvaus luotu automaattisesti">
+          <p:cNvPr id="6" name="Sisällön paikkamerkki 5" descr="Kuva, joka sisältää kohteen teksti, kuvakaappaus, ohjelmisto&#10;&#10;Kuvaus luotu automaattisesti">
             <a:extLst>
               <a:ext uri="{FF2B5EF4-FFF2-40B4-BE49-F238E27FC236}">
-                <a16:creationId xmlns:a16="http://schemas.microsoft.com/office/drawing/2014/main" id="{EFE3B9D0-5592-613D-1F53-3F11395D4EC2}"/>
+                <a16:creationId xmlns:a16="http://schemas.microsoft.com/office/drawing/2014/main" id="{ACED6613-BD50-F426-0E85-94FF66F02253}"/>
               </a:ext>
             </a:extLst>
           </p:cNvPr>
@@ -7770,7 +7992,7 @@
             <a:picLocks noGrp="1" noChangeAspect="1"/>
           </p:cNvPicPr>
           <p:nvPr>
-            <p:ph idx="1"/>
+            <p:ph sz="half" idx="1"/>
           </p:nvPr>
         </p:nvPicPr>
         <p:blipFill>
@@ -7787,56 +8009,15 @@
         </p:blipFill>
         <p:spPr>
           <a:xfrm>
-            <a:off x="5078413" y="431321"/>
-            <a:ext cx="6189662" cy="4916873"/>
+            <a:off x="2069554" y="1228437"/>
+            <a:ext cx="8052891" cy="5158602"/>
           </a:xfrm>
         </p:spPr>
       </p:pic>
-      <p:sp>
-        <p:nvSpPr>
-          <p:cNvPr id="4" name="Tekstin paikkamerkki 3">
-            <a:extLst>
-              <a:ext uri="{FF2B5EF4-FFF2-40B4-BE49-F238E27FC236}">
-                <a16:creationId xmlns:a16="http://schemas.microsoft.com/office/drawing/2014/main" id="{CAA7A092-E1CE-3157-2145-C985AFF50C7B}"/>
-              </a:ext>
-            </a:extLst>
-          </p:cNvPr>
-          <p:cNvSpPr>
-            <a:spLocks noGrp="1"/>
-          </p:cNvSpPr>
-          <p:nvPr>
-            <p:ph type="body" sz="half" idx="2"/>
-          </p:nvPr>
-        </p:nvSpPr>
-        <p:spPr>
-          <a:xfrm>
-            <a:off x="923925" y="2299856"/>
-            <a:ext cx="3932237" cy="2819399"/>
-          </a:xfrm>
-        </p:spPr>
-        <p:txBody>
-          <a:bodyPr>
-            <a:normAutofit/>
-          </a:bodyPr>
-          <a:lstStyle/>
-          <a:p>
-            <a:pPr marL="285750" indent="-285750" algn="l">
-              <a:buFont typeface="Arial" panose="020B0604020202020204" pitchFamily="34" charset="0"/>
-              <a:buChar char="•"/>
-            </a:pPr>
-            <a:r>
-              <a:rPr lang="fi-FI" sz="2000" dirty="0">
-                <a:latin typeface="Bookman Old Style" panose="02050604050505020204" pitchFamily="18" charset="0"/>
-              </a:rPr>
-              <a:t>Esimerkiksi tämä funktio kierrätettiin vanhasta pelin versiosta ja sopeutettiin toimimaan olioiden kanssa.</a:t>
-            </a:r>
-          </a:p>
-        </p:txBody>
-      </p:sp>
     </p:spTree>
     <p:extLst>
       <p:ext uri="{BB962C8B-B14F-4D97-AF65-F5344CB8AC3E}">
-        <p14:creationId xmlns:p14="http://schemas.microsoft.com/office/powerpoint/2010/main" val="926675749"/>
+        <p14:creationId xmlns:p14="http://schemas.microsoft.com/office/powerpoint/2010/main" val="4281695433"/>
       </p:ext>
     </p:extLst>
   </p:cSld>
@@ -7865,10 +8046,10 @@
       </p:grpSpPr>
       <p:sp>
         <p:nvSpPr>
-          <p:cNvPr id="3" name="Tekstin paikkamerkki 2">
+          <p:cNvPr id="2" name="Otsikko 1">
             <a:extLst>
               <a:ext uri="{FF2B5EF4-FFF2-40B4-BE49-F238E27FC236}">
-                <a16:creationId xmlns:a16="http://schemas.microsoft.com/office/drawing/2014/main" id="{81A4D3B3-0920-A011-48CB-8DA7FD867CF4}"/>
+                <a16:creationId xmlns:a16="http://schemas.microsoft.com/office/drawing/2014/main" id="{D56BAAC5-C390-F799-9919-324E9FE68E26}"/>
               </a:ext>
             </a:extLst>
           </p:cNvPr>
@@ -7876,52 +8057,33 @@
             <a:spLocks noGrp="1"/>
           </p:cNvSpPr>
           <p:nvPr>
-            <p:ph type="body" idx="1"/>
-          </p:nvPr>
-        </p:nvSpPr>
-        <p:spPr>
-          <a:xfrm>
-            <a:off x="1027799" y="414795"/>
-            <a:ext cx="4879199" cy="823912"/>
-          </a:xfrm>
-        </p:spPr>
-        <p:txBody>
-          <a:bodyPr>
-            <a:normAutofit/>
-          </a:bodyPr>
-          <a:lstStyle/>
-          <a:p>
-            <a:pPr algn="ctr"/>
-            <a:r>
-              <a:rPr lang="fi-FI" sz="2800" dirty="0" err="1">
-                <a:latin typeface="Bookman Old Style" panose="02050604050505020204" pitchFamily="18" charset="0"/>
-              </a:rPr>
-              <a:t>Game</a:t>
-            </a:r>
-            <a:r>
-              <a:rPr lang="fi-FI" sz="2800" dirty="0">
-                <a:latin typeface="Bookman Old Style" panose="02050604050505020204" pitchFamily="18" charset="0"/>
-              </a:rPr>
-              <a:t> </a:t>
-            </a:r>
-            <a:r>
-              <a:rPr lang="fi-FI" sz="2800" dirty="0" err="1">
-                <a:latin typeface="Bookman Old Style" panose="02050604050505020204" pitchFamily="18" charset="0"/>
-              </a:rPr>
-              <a:t>constructor</a:t>
-            </a:r>
-            <a:endParaRPr lang="fi-FI" sz="2800" dirty="0">
-              <a:latin typeface="Bookman Old Style" panose="02050604050505020204" pitchFamily="18" charset="0"/>
-            </a:endParaRPr>
+            <p:ph type="title"/>
+          </p:nvPr>
+        </p:nvSpPr>
+        <p:spPr>
+          <a:xfrm>
+            <a:off x="923925" y="1066801"/>
+            <a:ext cx="3932237" cy="671945"/>
+          </a:xfrm>
+        </p:spPr>
+        <p:txBody>
+          <a:bodyPr/>
+          <a:lstStyle/>
+          <a:p>
+            <a:r>
+              <a:rPr lang="fi-FI" dirty="0" err="1"/>
+              <a:t>Cities_in_range</a:t>
+            </a:r>
+            <a:endParaRPr lang="fi-FI" dirty="0"/>
           </a:p>
         </p:txBody>
       </p:sp>
       <p:pic>
         <p:nvPicPr>
-          <p:cNvPr id="8" name="Sisällön paikkamerkki 7" descr="Kuva, joka sisältää kohteen teksti, kuvakaappaus, ohjelmisto&#10;&#10;Kuvaus luotu automaattisesti">
+          <p:cNvPr id="6" name="Sisällön paikkamerkki 5" descr="Kuva, joka sisältää kohteen teksti, kuvakaappaus&#10;&#10;Kuvaus luotu automaattisesti">
             <a:extLst>
               <a:ext uri="{FF2B5EF4-FFF2-40B4-BE49-F238E27FC236}">
-                <a16:creationId xmlns:a16="http://schemas.microsoft.com/office/drawing/2014/main" id="{3231F57D-7F2C-3812-F56B-2FAC0011AC2A}"/>
+                <a16:creationId xmlns:a16="http://schemas.microsoft.com/office/drawing/2014/main" id="{EFE3B9D0-5592-613D-1F53-3F11395D4EC2}"/>
               </a:ext>
             </a:extLst>
           </p:cNvPr>
@@ -7929,7 +8091,7 @@
             <a:picLocks noGrp="1" noChangeAspect="1"/>
           </p:cNvPicPr>
           <p:nvPr>
-            <p:ph sz="half" idx="2"/>
+            <p:ph idx="1"/>
           </p:nvPr>
         </p:nvPicPr>
         <p:blipFill>
@@ -7946,17 +8108,17 @@
         </p:blipFill>
         <p:spPr>
           <a:xfrm>
-            <a:off x="786366" y="1582344"/>
-            <a:ext cx="5106988" cy="4860860"/>
+            <a:off x="5078413" y="431321"/>
+            <a:ext cx="6189662" cy="4916873"/>
           </a:xfrm>
         </p:spPr>
       </p:pic>
       <p:sp>
         <p:nvSpPr>
-          <p:cNvPr id="5" name="Tekstin paikkamerkki 4">
+          <p:cNvPr id="4" name="Tekstin paikkamerkki 3">
             <a:extLst>
               <a:ext uri="{FF2B5EF4-FFF2-40B4-BE49-F238E27FC236}">
-                <a16:creationId xmlns:a16="http://schemas.microsoft.com/office/drawing/2014/main" id="{C9763CB2-0DBE-A078-85E9-17B9D217F81B}"/>
+                <a16:creationId xmlns:a16="http://schemas.microsoft.com/office/drawing/2014/main" id="{CAA7A092-E1CE-3157-2145-C985AFF50C7B}"/>
               </a:ext>
             </a:extLst>
           </p:cNvPr>
@@ -7964,13 +8126,13 @@
             <a:spLocks noGrp="1"/>
           </p:cNvSpPr>
           <p:nvPr>
-            <p:ph type="body" sz="quarter" idx="3"/>
-          </p:nvPr>
-        </p:nvSpPr>
-        <p:spPr>
-          <a:xfrm>
-            <a:off x="6285004" y="414795"/>
-            <a:ext cx="4865554" cy="823912"/>
+            <p:ph type="body" sz="half" idx="2"/>
+          </p:nvPr>
+        </p:nvSpPr>
+        <p:spPr>
+          <a:xfrm>
+            <a:off x="923925" y="2299856"/>
+            <a:ext cx="3932237" cy="2819399"/>
           </a:xfrm>
         </p:spPr>
         <p:txBody>
@@ -7979,64 +8141,23 @@
           </a:bodyPr>
           <a:lstStyle/>
           <a:p>
-            <a:pPr algn="ctr"/>
-            <a:r>
-              <a:rPr lang="fi-FI" sz="2800" dirty="0">
+            <a:pPr marL="285750" indent="-285750" algn="l">
+              <a:buFont typeface="Arial" panose="020B0604020202020204" pitchFamily="34" charset="0"/>
+              <a:buChar char="•"/>
+            </a:pPr>
+            <a:r>
+              <a:rPr lang="fi-FI" sz="2000" dirty="0">
                 <a:latin typeface="Bookman Old Style" panose="02050604050505020204" pitchFamily="18" charset="0"/>
               </a:rPr>
-              <a:t>Player </a:t>
-            </a:r>
-            <a:r>
-              <a:rPr lang="fi-FI" sz="2800" dirty="0" err="1">
-                <a:latin typeface="Bookman Old Style" panose="02050604050505020204" pitchFamily="18" charset="0"/>
-              </a:rPr>
-              <a:t>constructor</a:t>
-            </a:r>
-            <a:endParaRPr lang="fi-FI" sz="2800" dirty="0">
-              <a:latin typeface="Bookman Old Style" panose="02050604050505020204" pitchFamily="18" charset="0"/>
-            </a:endParaRPr>
-          </a:p>
-        </p:txBody>
-      </p:sp>
-      <p:pic>
-        <p:nvPicPr>
-          <p:cNvPr id="10" name="Sisällön paikkamerkki 9" descr="Kuva, joka sisältää kohteen teksti, kuvakaappaus, ohjelmisto&#10;&#10;Kuvaus luotu automaattisesti">
-            <a:extLst>
-              <a:ext uri="{FF2B5EF4-FFF2-40B4-BE49-F238E27FC236}">
-                <a16:creationId xmlns:a16="http://schemas.microsoft.com/office/drawing/2014/main" id="{D8A0BFBA-3693-773F-4858-DF0909857C95}"/>
-              </a:ext>
-            </a:extLst>
-          </p:cNvPr>
-          <p:cNvPicPr>
-            <a:picLocks noGrp="1" noChangeAspect="1"/>
-          </p:cNvPicPr>
-          <p:nvPr>
-            <p:ph sz="quarter" idx="4"/>
-          </p:nvPr>
-        </p:nvPicPr>
-        <p:blipFill>
-          <a:blip r:embed="rId3">
-            <a:extLst>
-              <a:ext uri="{28A0092B-C50C-407E-A947-70E740481C1C}">
-                <a14:useLocalDpi xmlns:a14="http://schemas.microsoft.com/office/drawing/2010/main" val="0"/>
-              </a:ext>
-            </a:extLst>
-          </a:blip>
-          <a:stretch>
-            <a:fillRect/>
-          </a:stretch>
-        </p:blipFill>
-        <p:spPr>
-          <a:xfrm>
-            <a:off x="6096000" y="1582343"/>
-            <a:ext cx="5590288" cy="4860861"/>
-          </a:xfrm>
-        </p:spPr>
-      </p:pic>
+              <a:t>Esimerkiksi tämä funktio kierrätettiin vanhasta pelin versiosta ja sopeutettiin toimimaan olioiden kanssa.</a:t>
+            </a:r>
+          </a:p>
+        </p:txBody>
+      </p:sp>
     </p:spTree>
     <p:extLst>
       <p:ext uri="{BB962C8B-B14F-4D97-AF65-F5344CB8AC3E}">
-        <p14:creationId xmlns:p14="http://schemas.microsoft.com/office/powerpoint/2010/main" val="3962541409"/>
+        <p14:creationId xmlns:p14="http://schemas.microsoft.com/office/powerpoint/2010/main" val="926675749"/>
       </p:ext>
     </p:extLst>
   </p:cSld>
@@ -8065,10 +8186,10 @@
       </p:grpSpPr>
       <p:sp>
         <p:nvSpPr>
-          <p:cNvPr id="2" name="Otsikko 1">
+          <p:cNvPr id="3" name="Tekstin paikkamerkki 2">
             <a:extLst>
               <a:ext uri="{FF2B5EF4-FFF2-40B4-BE49-F238E27FC236}">
-                <a16:creationId xmlns:a16="http://schemas.microsoft.com/office/drawing/2014/main" id="{BD88DF7E-E977-45F2-EB9A-075D8C2DBF10}"/>
+                <a16:creationId xmlns:a16="http://schemas.microsoft.com/office/drawing/2014/main" id="{81A4D3B3-0920-A011-48CB-8DA7FD867CF4}"/>
               </a:ext>
             </a:extLst>
           </p:cNvPr>
@@ -8076,13 +8197,13 @@
             <a:spLocks noGrp="1"/>
           </p:cNvSpPr>
           <p:nvPr>
-            <p:ph type="title"/>
-          </p:nvPr>
-        </p:nvSpPr>
-        <p:spPr>
-          <a:xfrm>
-            <a:off x="1611043" y="272925"/>
-            <a:ext cx="8755265" cy="1173018"/>
+            <p:ph type="body" idx="1"/>
+          </p:nvPr>
+        </p:nvSpPr>
+        <p:spPr>
+          <a:xfrm>
+            <a:off x="1027799" y="414795"/>
+            <a:ext cx="4879199" cy="823912"/>
           </a:xfrm>
         </p:spPr>
         <p:txBody>
@@ -8091,19 +8212,37 @@
           </a:bodyPr>
           <a:lstStyle/>
           <a:p>
-            <a:r>
-              <a:rPr lang="fi-FI" sz="2800" dirty="0"/>
-              <a:t>Luokka metodit</a:t>
-            </a:r>
+            <a:pPr algn="ctr"/>
+            <a:r>
+              <a:rPr lang="fi-FI" sz="2800" dirty="0" err="1">
+                <a:latin typeface="Bookman Old Style" panose="02050604050505020204" pitchFamily="18" charset="0"/>
+              </a:rPr>
+              <a:t>Game</a:t>
+            </a:r>
+            <a:r>
+              <a:rPr lang="fi-FI" sz="2800" dirty="0">
+                <a:latin typeface="Bookman Old Style" panose="02050604050505020204" pitchFamily="18" charset="0"/>
+              </a:rPr>
+              <a:t> </a:t>
+            </a:r>
+            <a:r>
+              <a:rPr lang="fi-FI" sz="2800" dirty="0" err="1">
+                <a:latin typeface="Bookman Old Style" panose="02050604050505020204" pitchFamily="18" charset="0"/>
+              </a:rPr>
+              <a:t>constructor</a:t>
+            </a:r>
+            <a:endParaRPr lang="fi-FI" sz="2800" dirty="0">
+              <a:latin typeface="Bookman Old Style" panose="02050604050505020204" pitchFamily="18" charset="0"/>
+            </a:endParaRPr>
           </a:p>
         </p:txBody>
       </p:sp>
       <p:pic>
         <p:nvPicPr>
-          <p:cNvPr id="6" name="Sisällön paikkamerkki 5" descr="Kuva, joka sisältää kohteen teksti, kuvakaappaus, Fontti&#10;&#10;Kuvaus luotu automaattisesti">
+          <p:cNvPr id="8" name="Sisällön paikkamerkki 7" descr="Kuva, joka sisältää kohteen teksti, kuvakaappaus, ohjelmisto&#10;&#10;Kuvaus luotu automaattisesti">
             <a:extLst>
               <a:ext uri="{FF2B5EF4-FFF2-40B4-BE49-F238E27FC236}">
-                <a16:creationId xmlns:a16="http://schemas.microsoft.com/office/drawing/2014/main" id="{51DB27AF-C1DA-3C54-A605-737759436511}"/>
+                <a16:creationId xmlns:a16="http://schemas.microsoft.com/office/drawing/2014/main" id="{3231F57D-7F2C-3812-F56B-2FAC0011AC2A}"/>
               </a:ext>
             </a:extLst>
           </p:cNvPr>
@@ -8111,7 +8250,7 @@
             <a:picLocks noGrp="1" noChangeAspect="1"/>
           </p:cNvPicPr>
           <p:nvPr>
-            <p:ph sz="half" idx="1"/>
+            <p:ph sz="half" idx="2"/>
           </p:nvPr>
         </p:nvPicPr>
         <p:blipFill>
@@ -8128,17 +8267,64 @@
         </p:blipFill>
         <p:spPr>
           <a:xfrm>
-            <a:off x="417747" y="2102679"/>
-            <a:ext cx="8118006" cy="1326321"/>
+            <a:off x="786366" y="1582344"/>
+            <a:ext cx="5106988" cy="4860860"/>
           </a:xfrm>
         </p:spPr>
       </p:pic>
+      <p:sp>
+        <p:nvSpPr>
+          <p:cNvPr id="5" name="Tekstin paikkamerkki 4">
+            <a:extLst>
+              <a:ext uri="{FF2B5EF4-FFF2-40B4-BE49-F238E27FC236}">
+                <a16:creationId xmlns:a16="http://schemas.microsoft.com/office/drawing/2014/main" id="{C9763CB2-0DBE-A078-85E9-17B9D217F81B}"/>
+              </a:ext>
+            </a:extLst>
+          </p:cNvPr>
+          <p:cNvSpPr>
+            <a:spLocks noGrp="1"/>
+          </p:cNvSpPr>
+          <p:nvPr>
+            <p:ph type="body" sz="quarter" idx="3"/>
+          </p:nvPr>
+        </p:nvSpPr>
+        <p:spPr>
+          <a:xfrm>
+            <a:off x="6285004" y="414795"/>
+            <a:ext cx="4865554" cy="823912"/>
+          </a:xfrm>
+        </p:spPr>
+        <p:txBody>
+          <a:bodyPr>
+            <a:normAutofit/>
+          </a:bodyPr>
+          <a:lstStyle/>
+          <a:p>
+            <a:pPr algn="ctr"/>
+            <a:r>
+              <a:rPr lang="fi-FI" sz="2800" dirty="0">
+                <a:latin typeface="Bookman Old Style" panose="02050604050505020204" pitchFamily="18" charset="0"/>
+              </a:rPr>
+              <a:t>Player </a:t>
+            </a:r>
+            <a:r>
+              <a:rPr lang="fi-FI" sz="2800" dirty="0" err="1">
+                <a:latin typeface="Bookman Old Style" panose="02050604050505020204" pitchFamily="18" charset="0"/>
+              </a:rPr>
+              <a:t>constructor</a:t>
+            </a:r>
+            <a:endParaRPr lang="fi-FI" sz="2800" dirty="0">
+              <a:latin typeface="Bookman Old Style" panose="02050604050505020204" pitchFamily="18" charset="0"/>
+            </a:endParaRPr>
+          </a:p>
+        </p:txBody>
+      </p:sp>
       <p:pic>
         <p:nvPicPr>
-          <p:cNvPr id="8" name="Sisällön paikkamerkki 7" descr="Kuva, joka sisältää kohteen teksti, kuvakaappaus, Fontti&#10;&#10;Kuvaus luotu automaattisesti">
+          <p:cNvPr id="10" name="Sisällön paikkamerkki 9" descr="Kuva, joka sisältää kohteen teksti, kuvakaappaus, ohjelmisto&#10;&#10;Kuvaus luotu automaattisesti">
             <a:extLst>
               <a:ext uri="{FF2B5EF4-FFF2-40B4-BE49-F238E27FC236}">
-                <a16:creationId xmlns:a16="http://schemas.microsoft.com/office/drawing/2014/main" id="{B003F45E-4A6D-4AA4-1271-85B32C72335E}"/>
+                <a16:creationId xmlns:a16="http://schemas.microsoft.com/office/drawing/2014/main" id="{D8A0BFBA-3693-773F-4858-DF0909857C95}"/>
               </a:ext>
             </a:extLst>
           </p:cNvPr>
@@ -8146,7 +8332,7 @@
             <a:picLocks noGrp="1" noChangeAspect="1"/>
           </p:cNvPicPr>
           <p:nvPr>
-            <p:ph sz="half" idx="2"/>
+            <p:ph sz="quarter" idx="4"/>
           </p:nvPr>
         </p:nvPicPr>
         <p:blipFill>
@@ -8163,15 +8349,15 @@
         </p:blipFill>
         <p:spPr>
           <a:xfrm>
-            <a:off x="3830122" y="4104686"/>
-            <a:ext cx="7723270" cy="1326320"/>
+            <a:off x="6096000" y="1582343"/>
+            <a:ext cx="5590288" cy="4860861"/>
           </a:xfrm>
         </p:spPr>
       </p:pic>
     </p:spTree>
     <p:extLst>
       <p:ext uri="{BB962C8B-B14F-4D97-AF65-F5344CB8AC3E}">
-        <p14:creationId xmlns:p14="http://schemas.microsoft.com/office/powerpoint/2010/main" val="1061787314"/>
+        <p14:creationId xmlns:p14="http://schemas.microsoft.com/office/powerpoint/2010/main" val="3962541409"/>
       </p:ext>
     </p:extLst>
   </p:cSld>
